--- a/TED Talk Perofrmance Predictors.pptx
+++ b/TED Talk Perofrmance Predictors.pptx
@@ -17593,7 +17593,7 @@
         </p:blipFill>
         <p:spPr>
           <a:xfrm>
-            <a:off x="7173637" y="3086419"/>
+            <a:off x="7675164" y="2448847"/>
             <a:ext cx="1434388" cy="1434388"/>
           </a:xfrm>
           <a:prstGeom prst="flowChartConnector">
@@ -17615,7 +17615,7 @@
         </p:nvSpPr>
         <p:spPr>
           <a:xfrm>
-            <a:off x="6607114" y="4587218"/>
+            <a:off x="7122019" y="4107824"/>
             <a:ext cx="2744987" cy="369332"/>
           </a:xfrm>
           <a:prstGeom prst="rect">

--- a/TED Talk Perofrmance Predictors.pptx
+++ b/TED Talk Perofrmance Predictors.pptx
@@ -216,7 +216,7 @@
           <a:p>
             <a:fld id="{7553FA14-A38F-4040-B010-0D73A46F178F}" type="datetimeFigureOut">
               <a:rPr lang="en-US" smtClean="0"/>
-              <a:t>10/4/2018</a:t>
+              <a:t>10/1/2019</a:t>
             </a:fld>
             <a:endParaRPr lang="en-US"/>
           </a:p>
@@ -11363,8 +11363,8 @@
         </p:nvSpPr>
         <p:spPr>
           <a:xfrm>
-            <a:off x="1961965" y="1520785"/>
-            <a:ext cx="9825645" cy="3908762"/>
+            <a:off x="1935332" y="1474619"/>
+            <a:ext cx="9825645" cy="3662541"/>
           </a:xfrm>
           <a:prstGeom prst="rect">
             <a:avLst/>
@@ -11495,42 +11495,6 @@
               </a:rPr>
               <a:t>Xiaoyan Zhou</a:t>
             </a:r>
-          </a:p>
-          <a:p>
-            <a:pPr algn="r"/>
-            <a:r>
-              <a:rPr lang="en-US" sz="1600" b="1" dirty="0">
-                <a:solidFill>
-                  <a:prstClr val="black"/>
-                </a:solidFill>
-                <a:latin typeface="Helvetica Neue" panose="02010600030101010101"/>
-              </a:rPr>
-              <a:t>Data Analytics </a:t>
-            </a:r>
-            <a:r>
-              <a:rPr lang="en-US" altLang="zh-CN" sz="1600" b="1" dirty="0">
-                <a:solidFill>
-                  <a:prstClr val="black"/>
-                </a:solidFill>
-                <a:latin typeface="Helvetica Neue" panose="02010600030101010101"/>
-              </a:rPr>
-              <a:t>Intern in </a:t>
-            </a:r>
-            <a:r>
-              <a:rPr lang="en-US" altLang="zh-CN" sz="1600" b="1" dirty="0" err="1">
-                <a:solidFill>
-                  <a:prstClr val="black"/>
-                </a:solidFill>
-                <a:latin typeface="Helvetica Neue" panose="02010600030101010101"/>
-              </a:rPr>
-              <a:t>GwIA</a:t>
-            </a:r>
-            <a:endParaRPr lang="en-US" sz="1600" b="1" dirty="0">
-              <a:solidFill>
-                <a:prstClr val="black"/>
-              </a:solidFill>
-              <a:latin typeface="Helvetica Neue" panose="02010600030101010101"/>
-            </a:endParaRPr>
           </a:p>
           <a:p>
             <a:pPr algn="r"/>
@@ -14176,7 +14140,6 @@
           <a:solidFill>
             <a:schemeClr val="bg2"/>
           </a:solidFill>
-          <a:extLst/>
         </p:spPr>
       </p:pic>
     </p:spTree>
@@ -19824,7 +19787,6 @@
           <a:ln>
             <a:noFill/>
           </a:ln>
-          <a:extLst/>
         </p:spPr>
         <p:txBody>
           <a:bodyPr vert="horz" wrap="square" lIns="91406" tIns="45702" rIns="91406" bIns="45702" numCol="1" anchor="t" anchorCtr="0" compatLnSpc="1">
@@ -20890,7 +20852,6 @@
           <a:ln>
             <a:noFill/>
           </a:ln>
-          <a:extLst/>
         </p:spPr>
         <p:txBody>
           <a:bodyPr vert="horz" wrap="square" lIns="93264" tIns="46632" rIns="93264" bIns="46632" numCol="1" anchor="t" anchorCtr="0" compatLnSpc="1">
@@ -21045,7 +21006,6 @@
             <a:noFill/>
           </a:ln>
           <a:effectLst/>
-          <a:extLst/>
         </p:spPr>
       </p:pic>
     </p:spTree>
